--- a/Capstone_DataScience_Dhinakaran.pptx
+++ b/Capstone_DataScience_Dhinakaran.pptx
@@ -5,7 +5,7 @@
     <p:sldMasterId id="2147483648" r:id="rId1"/>
   </p:sldMasterIdLst>
   <p:notesMasterIdLst>
-    <p:notesMasterId r:id="rId10"/>
+    <p:notesMasterId r:id="rId11"/>
   </p:notesMasterIdLst>
   <p:sldIdLst>
     <p:sldId id="256" r:id="rId2"/>
@@ -13,9 +13,10 @@
     <p:sldId id="258" r:id="rId4"/>
     <p:sldId id="259" r:id="rId5"/>
     <p:sldId id="260" r:id="rId6"/>
-    <p:sldId id="261" r:id="rId7"/>
-    <p:sldId id="262" r:id="rId8"/>
-    <p:sldId id="263" r:id="rId9"/>
+    <p:sldId id="264" r:id="rId7"/>
+    <p:sldId id="261" r:id="rId8"/>
+    <p:sldId id="262" r:id="rId9"/>
+    <p:sldId id="263" r:id="rId10"/>
   </p:sldIdLst>
   <p:sldSz cx="12192000" cy="6858000"/>
   <p:notesSz cx="6858000" cy="9144000"/>
@@ -114,6 +115,11 @@
       </a:defRPr>
     </a:lvl9pPr>
   </p:defaultTextStyle>
+  <p:extLst>
+    <p:ext uri="{EFAFB233-063F-42B5-8137-9DF3F51BA10A}">
+      <p15:sldGuideLst xmlns:p15="http://schemas.microsoft.com/office/powerpoint/2012/main"/>
+    </p:ext>
+  </p:extLst>
 </p:presentation>
 </file>
 
@@ -3876,6 +3882,12 @@
           <a:p>
             <a:r>
               <a:rPr lang="en-US" dirty="0"/>
+              <a:t>Challenges</a:t>
+            </a:r>
+          </a:p>
+          <a:p>
+            <a:r>
+              <a:rPr lang="en-US" dirty="0"/>
               <a:t>Results </a:t>
             </a:r>
           </a:p>
@@ -4365,7 +4377,7 @@
           <p:cNvPr id="2" name="Title 1">
             <a:extLst>
               <a:ext uri="{FF2B5EF4-FFF2-40B4-BE49-F238E27FC236}">
-                <a16:creationId xmlns:a16="http://schemas.microsoft.com/office/drawing/2014/main" id="{619D5048-0A8E-4275-9288-397C045954B2}"/>
+                <a16:creationId xmlns:a16="http://schemas.microsoft.com/office/drawing/2014/main" id="{E1B86888-BF6F-4B0E-9BC3-0E11EF12A8B1}"/>
               </a:ext>
             </a:extLst>
           </p:cNvPr>
@@ -4383,49 +4395,74 @@
           <a:p>
             <a:r>
               <a:rPr lang="en-US" dirty="0"/>
-              <a:t>Results</a:t>
-            </a:r>
-          </a:p>
-        </p:txBody>
-      </p:sp>
-      <p:pic>
-        <p:nvPicPr>
-          <p:cNvPr id="4" name="Content Placeholder 3">
-            <a:extLst>
-              <a:ext uri="{FF2B5EF4-FFF2-40B4-BE49-F238E27FC236}">
-                <a16:creationId xmlns:a16="http://schemas.microsoft.com/office/drawing/2014/main" id="{31789533-5096-4BAD-B1FA-6FB96E17D669}"/>
-              </a:ext>
-            </a:extLst>
-          </p:cNvPr>
-          <p:cNvPicPr>
-            <a:picLocks noGrp="1"/>
-          </p:cNvPicPr>
+              <a:t>Challenges</a:t>
+            </a:r>
+          </a:p>
+        </p:txBody>
+      </p:sp>
+      <p:sp>
+        <p:nvSpPr>
+          <p:cNvPr id="3" name="Content Placeholder 2">
+            <a:extLst>
+              <a:ext uri="{FF2B5EF4-FFF2-40B4-BE49-F238E27FC236}">
+                <a16:creationId xmlns:a16="http://schemas.microsoft.com/office/drawing/2014/main" id="{F8560A54-4D65-4F12-85D7-65CF88F740FD}"/>
+              </a:ext>
+            </a:extLst>
+          </p:cNvPr>
+          <p:cNvSpPr>
+            <a:spLocks noGrp="1"/>
+          </p:cNvSpPr>
           <p:nvPr>
             <p:ph idx="1"/>
           </p:nvPr>
-        </p:nvPicPr>
-        <p:blipFill>
-          <a:blip r:embed="rId2"/>
-          <a:stretch>
-            <a:fillRect/>
-          </a:stretch>
-        </p:blipFill>
-        <p:spPr>
-          <a:xfrm>
-            <a:off x="4071937" y="1996281"/>
-            <a:ext cx="4048125" cy="4010025"/>
-          </a:xfrm>
-          <a:prstGeom prst="rect">
-            <a:avLst/>
-          </a:prstGeom>
-        </p:spPr>
-      </p:pic>
-      <p:sp>
-        <p:nvSpPr>
-          <p:cNvPr id="5" name="Slide Number Placeholder 4">
-            <a:extLst>
-              <a:ext uri="{FF2B5EF4-FFF2-40B4-BE49-F238E27FC236}">
-                <a16:creationId xmlns:a16="http://schemas.microsoft.com/office/drawing/2014/main" id="{BB21450B-21E2-4687-B466-E87EE78908E0}"/>
+        </p:nvSpPr>
+        <p:spPr/>
+        <p:txBody>
+          <a:bodyPr>
+            <a:normAutofit fontScale="85000" lnSpcReduction="20000"/>
+          </a:bodyPr>
+          <a:lstStyle/>
+          <a:p>
+            <a:r>
+              <a:rPr lang="en-US" dirty="0" err="1"/>
+              <a:t>FourSquare</a:t>
+            </a:r>
+            <a:r>
+              <a:rPr lang="en-US" dirty="0"/>
+              <a:t> result will have all information related to Indian and other restaurant, like Indian consulate, Indian Yoga center, Chinese restaurants </a:t>
+            </a:r>
+            <a:r>
+              <a:rPr lang="en-US" dirty="0" err="1"/>
+              <a:t>etc</a:t>
+            </a:r>
+            <a:r>
+              <a:rPr lang="en-US" dirty="0"/>
+              <a:t>, because API is designed to split the search string “Indian Restaurant” like “Indian”, “Restaurant”, “Indian Restaurant” and “Indian Restaurants” and perform the search. So, analyzing the result and extract correct the information is vital to this project.</a:t>
+            </a:r>
+          </a:p>
+          <a:p>
+            <a:r>
+              <a:rPr lang="en-US" dirty="0"/>
+              <a:t>And search area is important to this analysis, to avoid overlapping of information which will mislead the results. So, utilized different data (ward area information from UK gov site) to calculate average ward area. Total 625 wards are in London (including inner and outer London region) with total 1594 sq. meter – which make search limit average to 2500 sq. meter.</a:t>
+            </a:r>
+          </a:p>
+          <a:p>
+            <a:r>
+              <a:rPr lang="en-US" dirty="0"/>
+              <a:t>Because of some generic location name used in both USA and UK, google API returned US coordinates, so concatenated the Ward, Borough and country to make unique location and fetched correct and accurate coordinates from google API.</a:t>
+            </a:r>
+          </a:p>
+          <a:p>
+            <a:endParaRPr lang="en-US" dirty="0"/>
+          </a:p>
+        </p:txBody>
+      </p:sp>
+      <p:sp>
+        <p:nvSpPr>
+          <p:cNvPr id="4" name="Slide Number Placeholder 3">
+            <a:extLst>
+              <a:ext uri="{FF2B5EF4-FFF2-40B4-BE49-F238E27FC236}">
+                <a16:creationId xmlns:a16="http://schemas.microsoft.com/office/drawing/2014/main" id="{D00DBE55-00A5-42EC-B095-CDF4A74CA83A}"/>
               </a:ext>
             </a:extLst>
           </p:cNvPr>
@@ -4452,7 +4489,7 @@
     </p:spTree>
     <p:extLst>
       <p:ext uri="{BB962C8B-B14F-4D97-AF65-F5344CB8AC3E}">
-        <p14:creationId xmlns:p14="http://schemas.microsoft.com/office/powerpoint/2010/main" val="2875622078"/>
+        <p14:creationId xmlns:p14="http://schemas.microsoft.com/office/powerpoint/2010/main" val="208976223"/>
       </p:ext>
     </p:extLst>
   </p:cSld>
@@ -4484,7 +4521,7 @@
           <p:cNvPr id="2" name="Title 1">
             <a:extLst>
               <a:ext uri="{FF2B5EF4-FFF2-40B4-BE49-F238E27FC236}">
-                <a16:creationId xmlns:a16="http://schemas.microsoft.com/office/drawing/2014/main" id="{152F6E35-57C4-41AC-8619-C97F19459991}"/>
+                <a16:creationId xmlns:a16="http://schemas.microsoft.com/office/drawing/2014/main" id="{619D5048-0A8E-4275-9288-397C045954B2}"/>
               </a:ext>
             </a:extLst>
           </p:cNvPr>
@@ -4502,67 +4539,49 @@
           <a:p>
             <a:r>
               <a:rPr lang="en-US" dirty="0"/>
-              <a:t>Conclusion</a:t>
-            </a:r>
-          </a:p>
-        </p:txBody>
-      </p:sp>
-      <p:sp>
-        <p:nvSpPr>
-          <p:cNvPr id="3" name="Content Placeholder 2">
-            <a:extLst>
-              <a:ext uri="{FF2B5EF4-FFF2-40B4-BE49-F238E27FC236}">
-                <a16:creationId xmlns:a16="http://schemas.microsoft.com/office/drawing/2014/main" id="{477384AD-80C5-422A-B44E-087B8181A611}"/>
-              </a:ext>
-            </a:extLst>
-          </p:cNvPr>
-          <p:cNvSpPr>
-            <a:spLocks noGrp="1"/>
-          </p:cNvSpPr>
+              <a:t>Results</a:t>
+            </a:r>
+          </a:p>
+        </p:txBody>
+      </p:sp>
+      <p:pic>
+        <p:nvPicPr>
+          <p:cNvPr id="4" name="Content Placeholder 3">
+            <a:extLst>
+              <a:ext uri="{FF2B5EF4-FFF2-40B4-BE49-F238E27FC236}">
+                <a16:creationId xmlns:a16="http://schemas.microsoft.com/office/drawing/2014/main" id="{31789533-5096-4BAD-B1FA-6FB96E17D669}"/>
+              </a:ext>
+            </a:extLst>
+          </p:cNvPr>
+          <p:cNvPicPr>
+            <a:picLocks noGrp="1"/>
+          </p:cNvPicPr>
           <p:nvPr>
             <p:ph idx="1"/>
           </p:nvPr>
-        </p:nvSpPr>
-        <p:spPr/>
-        <p:txBody>
-          <a:bodyPr/>
-          <a:lstStyle/>
-          <a:p>
-            <a:r>
-              <a:rPr lang="en-US" dirty="0"/>
-              <a:t>Based on results, Ward which has a greater number of people per restaurant is the ideal place to open a new restaurant. Recommend to open a restaurant in ward Lady Margaret, </a:t>
-            </a:r>
-            <a:r>
-              <a:rPr lang="en-US" dirty="0" err="1"/>
-              <a:t>Ealling</a:t>
-            </a:r>
-            <a:r>
-              <a:rPr lang="en-US" dirty="0"/>
-              <a:t>, </a:t>
-            </a:r>
-            <a:r>
-              <a:rPr lang="en-US" dirty="0" err="1"/>
-              <a:t>London,UK</a:t>
-            </a:r>
-            <a:r>
-              <a:rPr lang="en-US" dirty="0"/>
-              <a:t>.</a:t>
-            </a:r>
-          </a:p>
-          <a:p>
-            <a:r>
-              <a:rPr lang="en-US" dirty="0"/>
-              <a:t>Further to add, this project can be reused to perform for any other ethnic group and restaurant or any other ethnic dependent business or investments.</a:t>
-            </a:r>
-          </a:p>
-        </p:txBody>
-      </p:sp>
-      <p:sp>
-        <p:nvSpPr>
-          <p:cNvPr id="4" name="Slide Number Placeholder 3">
-            <a:extLst>
-              <a:ext uri="{FF2B5EF4-FFF2-40B4-BE49-F238E27FC236}">
-                <a16:creationId xmlns:a16="http://schemas.microsoft.com/office/drawing/2014/main" id="{52A6930A-78F8-4DDF-85D1-DB32932457E6}"/>
+        </p:nvPicPr>
+        <p:blipFill>
+          <a:blip r:embed="rId2"/>
+          <a:stretch>
+            <a:fillRect/>
+          </a:stretch>
+        </p:blipFill>
+        <p:spPr>
+          <a:xfrm>
+            <a:off x="4071937" y="1996281"/>
+            <a:ext cx="4048125" cy="4010025"/>
+          </a:xfrm>
+          <a:prstGeom prst="rect">
+            <a:avLst/>
+          </a:prstGeom>
+        </p:spPr>
+      </p:pic>
+      <p:sp>
+        <p:nvSpPr>
+          <p:cNvPr id="5" name="Slide Number Placeholder 4">
+            <a:extLst>
+              <a:ext uri="{FF2B5EF4-FFF2-40B4-BE49-F238E27FC236}">
+                <a16:creationId xmlns:a16="http://schemas.microsoft.com/office/drawing/2014/main" id="{BB21450B-21E2-4687-B466-E87EE78908E0}"/>
               </a:ext>
             </a:extLst>
           </p:cNvPr>
@@ -4589,7 +4608,7 @@
     </p:spTree>
     <p:extLst>
       <p:ext uri="{BB962C8B-B14F-4D97-AF65-F5344CB8AC3E}">
-        <p14:creationId xmlns:p14="http://schemas.microsoft.com/office/powerpoint/2010/main" val="3368109292"/>
+        <p14:creationId xmlns:p14="http://schemas.microsoft.com/office/powerpoint/2010/main" val="2875622078"/>
       </p:ext>
     </p:extLst>
   </p:cSld>
@@ -4618,10 +4637,38 @@
       </p:grpSpPr>
       <p:sp>
         <p:nvSpPr>
+          <p:cNvPr id="2" name="Title 1">
+            <a:extLst>
+              <a:ext uri="{FF2B5EF4-FFF2-40B4-BE49-F238E27FC236}">
+                <a16:creationId xmlns:a16="http://schemas.microsoft.com/office/drawing/2014/main" id="{152F6E35-57C4-41AC-8619-C97F19459991}"/>
+              </a:ext>
+            </a:extLst>
+          </p:cNvPr>
+          <p:cNvSpPr>
+            <a:spLocks noGrp="1"/>
+          </p:cNvSpPr>
+          <p:nvPr>
+            <p:ph type="title"/>
+          </p:nvPr>
+        </p:nvSpPr>
+        <p:spPr/>
+        <p:txBody>
+          <a:bodyPr/>
+          <a:lstStyle/>
+          <a:p>
+            <a:r>
+              <a:rPr lang="en-US" dirty="0"/>
+              <a:t>Conclusion</a:t>
+            </a:r>
+          </a:p>
+        </p:txBody>
+      </p:sp>
+      <p:sp>
+        <p:nvSpPr>
           <p:cNvPr id="3" name="Content Placeholder 2">
             <a:extLst>
               <a:ext uri="{FF2B5EF4-FFF2-40B4-BE49-F238E27FC236}">
-                <a16:creationId xmlns:a16="http://schemas.microsoft.com/office/drawing/2014/main" id="{67FF4E5A-0454-4D44-900E-60FB7DC30312}"/>
+                <a16:creationId xmlns:a16="http://schemas.microsoft.com/office/drawing/2014/main" id="{477384AD-80C5-422A-B44E-087B8181A611}"/>
               </a:ext>
             </a:extLst>
           </p:cNvPr>
@@ -4637,31 +4684,41 @@
           <a:bodyPr/>
           <a:lstStyle/>
           <a:p>
-            <a:endParaRPr lang="en-US" dirty="0"/>
-          </a:p>
-          <a:p>
-            <a:endParaRPr lang="en-US" dirty="0"/>
-          </a:p>
-          <a:p>
             <a:r>
               <a:rPr lang="en-US" dirty="0"/>
-              <a:t>Q and A</a:t>
-            </a:r>
-          </a:p>
-          <a:p>
+              <a:t>Based on results, Ward which has a greater number of people per restaurant is the ideal place to open a new restaurant. Recommend to open a restaurant in ward Lady Margaret, </a:t>
+            </a:r>
+            <a:r>
+              <a:rPr lang="en-US" dirty="0" err="1"/>
+              <a:t>Ealling</a:t>
+            </a:r>
             <a:r>
               <a:rPr lang="en-US" dirty="0"/>
-              <a:t>Thanks note</a:t>
-            </a:r>
-          </a:p>
-        </p:txBody>
-      </p:sp>
-      <p:sp>
-        <p:nvSpPr>
-          <p:cNvPr id="6" name="Slide Number Placeholder 5">
-            <a:extLst>
-              <a:ext uri="{FF2B5EF4-FFF2-40B4-BE49-F238E27FC236}">
-                <a16:creationId xmlns:a16="http://schemas.microsoft.com/office/drawing/2014/main" id="{4B8C8C16-B20F-4445-AD01-5367C38D6D6C}"/>
+              <a:t>, </a:t>
+            </a:r>
+            <a:r>
+              <a:rPr lang="en-US" dirty="0" err="1"/>
+              <a:t>London,UK</a:t>
+            </a:r>
+            <a:r>
+              <a:rPr lang="en-US" dirty="0"/>
+              <a:t>.</a:t>
+            </a:r>
+          </a:p>
+          <a:p>
+            <a:r>
+              <a:rPr lang="en-US" dirty="0"/>
+              <a:t>Further to add, this project can be reused to perform for any other ethnic group and restaurant or any other ethnic dependent business or investments.</a:t>
+            </a:r>
+          </a:p>
+        </p:txBody>
+      </p:sp>
+      <p:sp>
+        <p:nvSpPr>
+          <p:cNvPr id="4" name="Slide Number Placeholder 3">
+            <a:extLst>
+              <a:ext uri="{FF2B5EF4-FFF2-40B4-BE49-F238E27FC236}">
+                <a16:creationId xmlns:a16="http://schemas.microsoft.com/office/drawing/2014/main" id="{52A6930A-78F8-4DDF-85D1-DB32932457E6}"/>
               </a:ext>
             </a:extLst>
           </p:cNvPr>
@@ -4680,6 +4737,105 @@
             <a:fld id="{E726CB28-AEA0-44DA-9865-257251567C70}" type="slidenum">
               <a:rPr lang="en-US" smtClean="0"/>
               <a:t>8</a:t>
+            </a:fld>
+            <a:endParaRPr lang="en-US"/>
+          </a:p>
+        </p:txBody>
+      </p:sp>
+    </p:spTree>
+    <p:extLst>
+      <p:ext uri="{BB962C8B-B14F-4D97-AF65-F5344CB8AC3E}">
+        <p14:creationId xmlns:p14="http://schemas.microsoft.com/office/powerpoint/2010/main" val="3368109292"/>
+      </p:ext>
+    </p:extLst>
+  </p:cSld>
+  <p:clrMapOvr>
+    <a:masterClrMapping/>
+  </p:clrMapOvr>
+</p:sld>
+</file>
+
+<file path=ppt/slides/slide9.xml><?xml version="1.0" encoding="utf-8"?>
+<p:sld xmlns:a="http://schemas.openxmlformats.org/drawingml/2006/main" xmlns:r="http://schemas.openxmlformats.org/officeDocument/2006/relationships" xmlns:p="http://schemas.openxmlformats.org/presentationml/2006/main">
+  <p:cSld>
+    <p:spTree>
+      <p:nvGrpSpPr>
+        <p:cNvPr id="1" name=""/>
+        <p:cNvGrpSpPr/>
+        <p:nvPr/>
+      </p:nvGrpSpPr>
+      <p:grpSpPr>
+        <a:xfrm>
+          <a:off x="0" y="0"/>
+          <a:ext cx="0" cy="0"/>
+          <a:chOff x="0" y="0"/>
+          <a:chExt cx="0" cy="0"/>
+        </a:xfrm>
+      </p:grpSpPr>
+      <p:sp>
+        <p:nvSpPr>
+          <p:cNvPr id="3" name="Content Placeholder 2">
+            <a:extLst>
+              <a:ext uri="{FF2B5EF4-FFF2-40B4-BE49-F238E27FC236}">
+                <a16:creationId xmlns:a16="http://schemas.microsoft.com/office/drawing/2014/main" id="{67FF4E5A-0454-4D44-900E-60FB7DC30312}"/>
+              </a:ext>
+            </a:extLst>
+          </p:cNvPr>
+          <p:cNvSpPr>
+            <a:spLocks noGrp="1"/>
+          </p:cNvSpPr>
+          <p:nvPr>
+            <p:ph idx="1"/>
+          </p:nvPr>
+        </p:nvSpPr>
+        <p:spPr/>
+        <p:txBody>
+          <a:bodyPr/>
+          <a:lstStyle/>
+          <a:p>
+            <a:endParaRPr lang="en-US" dirty="0"/>
+          </a:p>
+          <a:p>
+            <a:endParaRPr lang="en-US" dirty="0"/>
+          </a:p>
+          <a:p>
+            <a:r>
+              <a:rPr lang="en-US" dirty="0"/>
+              <a:t>Q and A</a:t>
+            </a:r>
+          </a:p>
+          <a:p>
+            <a:r>
+              <a:rPr lang="en-US" dirty="0"/>
+              <a:t>Thanks note</a:t>
+            </a:r>
+          </a:p>
+        </p:txBody>
+      </p:sp>
+      <p:sp>
+        <p:nvSpPr>
+          <p:cNvPr id="6" name="Slide Number Placeholder 5">
+            <a:extLst>
+              <a:ext uri="{FF2B5EF4-FFF2-40B4-BE49-F238E27FC236}">
+                <a16:creationId xmlns:a16="http://schemas.microsoft.com/office/drawing/2014/main" id="{4B8C8C16-B20F-4445-AD01-5367C38D6D6C}"/>
+              </a:ext>
+            </a:extLst>
+          </p:cNvPr>
+          <p:cNvSpPr>
+            <a:spLocks noGrp="1"/>
+          </p:cNvSpPr>
+          <p:nvPr>
+            <p:ph type="sldNum" sz="quarter" idx="12"/>
+          </p:nvPr>
+        </p:nvSpPr>
+        <p:spPr/>
+        <p:txBody>
+          <a:bodyPr/>
+          <a:lstStyle/>
+          <a:p>
+            <a:fld id="{E726CB28-AEA0-44DA-9865-257251567C70}" type="slidenum">
+              <a:rPr lang="en-US" smtClean="0"/>
+              <a:t>9</a:t>
             </a:fld>
             <a:endParaRPr lang="en-US"/>
           </a:p>
